--- a/stuff/2015-05-07 - SPUGFFM - Arbeiten im Kontext - Von Skype for Business bis Office Apps.pptx
+++ b/stuff/2015-05-07 - SPUGFFM - Arbeiten im Kontext - Von Skype for Business bis Office Apps.pptx
@@ -9,8 +9,8 @@
   </p:notesMasterIdLst>
   <p:sldIdLst>
     <p:sldId id="258" r:id="rId2"/>
-    <p:sldId id="260" r:id="rId3"/>
-    <p:sldId id="261" r:id="rId4"/>
+    <p:sldId id="261" r:id="rId3"/>
+    <p:sldId id="260" r:id="rId4"/>
     <p:sldId id="257" r:id="rId5"/>
   </p:sldIdLst>
   <p:sldSz cx="12192000" cy="6858000"/>
@@ -5089,7 +5089,6 @@
               <a:rPr lang="en-US" dirty="0" smtClean="0"/>
               <a:t>Mai 2015</a:t>
             </a:r>
-            <a:endParaRPr lang="en-US" dirty="0" smtClean="0"/>
           </a:p>
           <a:p>
             <a:r>
@@ -5121,6 +5120,121 @@
 </file>
 
 <file path=ppt/slides/slide2.xml><?xml version="1.0" encoding="utf-8"?>
+<p:sld xmlns:a="http://schemas.openxmlformats.org/drawingml/2006/main" xmlns:r="http://schemas.openxmlformats.org/officeDocument/2006/relationships" xmlns:p="http://schemas.openxmlformats.org/presentationml/2006/main">
+  <p:cSld>
+    <p:spTree>
+      <p:nvGrpSpPr>
+        <p:cNvPr id="1" name=""/>
+        <p:cNvGrpSpPr/>
+        <p:nvPr/>
+      </p:nvGrpSpPr>
+      <p:grpSpPr>
+        <a:xfrm>
+          <a:off x="0" y="0"/>
+          <a:ext cx="0" cy="0"/>
+          <a:chOff x="0" y="0"/>
+          <a:chExt cx="0" cy="0"/>
+        </a:xfrm>
+      </p:grpSpPr>
+      <p:sp>
+        <p:nvSpPr>
+          <p:cNvPr id="2" name="Title 1"/>
+          <p:cNvSpPr>
+            <a:spLocks noGrp="1"/>
+          </p:cNvSpPr>
+          <p:nvPr>
+            <p:ph type="title"/>
+          </p:nvPr>
+        </p:nvSpPr>
+        <p:spPr/>
+        <p:txBody>
+          <a:bodyPr/>
+          <a:lstStyle/>
+          <a:p>
+            <a:r>
+              <a:rPr lang="de-DE" dirty="0" smtClean="0"/>
+              <a:t>Event</a:t>
+            </a:r>
+            <a:endParaRPr lang="en-US" dirty="0"/>
+          </a:p>
+        </p:txBody>
+      </p:sp>
+      <mc:AlternateContent xmlns:mc="http://schemas.openxmlformats.org/markup-compatibility/2006">
+        <mc:Choice xmlns:we="http://schemas.microsoft.com/office/webextensions/webextension/2010/11" xmlns:pca="http://schemas.microsoft.com/office/powerpoint/2013/contentapp" Requires="we pca">
+          <p:graphicFrame>
+            <p:nvGraphicFramePr>
+              <p:cNvPr id="4" name="Content Placeholder 3"/>
+              <p:cNvGraphicFramePr>
+                <a:graphicFrameLocks noGrp="1"/>
+              </p:cNvGraphicFramePr>
+              <p:nvPr>
+                <p:ph idx="1"/>
+                <p:extLst>
+                  <p:ext uri="{D42A27DB-BD31-4B8C-83A1-F6EECF244321}">
+                    <p14:modId xmlns:p14="http://schemas.microsoft.com/office/powerpoint/2010/main" val="1092180846"/>
+                  </p:ext>
+                </p:extLst>
+              </p:nvPr>
+            </p:nvGraphicFramePr>
+            <p:xfrm>
+              <a:off x="4533900" y="449263"/>
+              <a:ext cx="7324725" cy="6056312"/>
+            </p:xfrm>
+            <a:graphic>
+              <a:graphicData uri="http://schemas.microsoft.com/office/webextensions/webextension/2010/11">
+                <we:webextensionref xmlns:we="http://schemas.microsoft.com/office/webextensions/webextension/2010/11" xmlns:r="http://schemas.openxmlformats.org/officeDocument/2006/relationships" r:id="rId2"/>
+              </a:graphicData>
+            </a:graphic>
+          </p:graphicFrame>
+        </mc:Choice>
+        <mc:Fallback>
+          <p:pic>
+            <p:nvPicPr>
+              <p:cNvPr id="4" name="Content Placeholder 3"/>
+              <p:cNvPicPr>
+                <a:picLocks noGrp="1" noRot="1" noChangeAspect="1" noMove="1" noResize="1" noEditPoints="1" noAdjustHandles="1" noChangeArrowheads="1" noChangeShapeType="1"/>
+              </p:cNvPicPr>
+              <p:nvPr/>
+            </p:nvPicPr>
+            <p:blipFill>
+              <a:blip r:embed="rId3"/>
+              <a:stretch>
+                <a:fillRect/>
+              </a:stretch>
+            </p:blipFill>
+            <p:spPr>
+              <a:xfrm>
+                <a:off x="4533900" y="449263"/>
+                <a:ext cx="7324725" cy="6056312"/>
+              </a:xfrm>
+              <a:prstGeom prst="rect">
+                <a:avLst/>
+              </a:prstGeom>
+            </p:spPr>
+          </p:pic>
+        </mc:Fallback>
+      </mc:AlternateContent>
+    </p:spTree>
+    <p:extLst>
+      <p:ext uri="{BB962C8B-B14F-4D97-AF65-F5344CB8AC3E}">
+        <p14:creationId xmlns:p14="http://schemas.microsoft.com/office/powerpoint/2010/main" val="222278803"/>
+      </p:ext>
+    </p:extLst>
+  </p:cSld>
+  <p:clrMapOvr>
+    <a:masterClrMapping/>
+  </p:clrMapOvr>
+  <p:timing>
+    <p:tnLst>
+      <p:par>
+        <p:cTn id="1" dur="indefinite" restart="never" nodeType="tmRoot"/>
+      </p:par>
+    </p:tnLst>
+  </p:timing>
+</p:sld>
+</file>
+
+<file path=ppt/slides/slide3.xml><?xml version="1.0" encoding="utf-8"?>
 <p:sld xmlns:a="http://schemas.openxmlformats.org/drawingml/2006/main" xmlns:r="http://schemas.openxmlformats.org/officeDocument/2006/relationships" xmlns:p="http://schemas.openxmlformats.org/presentationml/2006/main">
   <p:cSld>
     <p:spTree>
@@ -5176,12 +5290,19 @@
           <a:lstStyle/>
           <a:p>
             <a:r>
-              <a:rPr lang="en-US" dirty="0"/>
-              <a:t>SharePoint 2010 - </a:t>
+              <a:rPr lang="de-DE" dirty="0"/>
+              <a:t>Arbeiten im Kontext</a:t>
+            </a:r>
+            <a:endParaRPr lang="de-DE" dirty="0" smtClean="0"/>
+          </a:p>
+          <a:p>
+            <a:r>
+              <a:rPr lang="de-DE" dirty="0" smtClean="0"/>
+              <a:t>Von </a:t>
             </a:r>
             <a:r>
-              <a:rPr lang="en-US" dirty="0" err="1" smtClean="0"/>
-              <a:t>Administratorschulung</a:t>
+              <a:rPr lang="de-DE" dirty="0"/>
+              <a:t>Skype for Business bis Office Apps</a:t>
             </a:r>
             <a:endParaRPr lang="en-US" dirty="0"/>
           </a:p>
@@ -5204,78 +5325,6 @@
       </p:par>
     </p:tnLst>
   </p:timing>
-</p:sld>
-</file>
-
-<file path=ppt/slides/slide3.xml><?xml version="1.0" encoding="utf-8"?>
-<p:sld xmlns:a="http://schemas.openxmlformats.org/drawingml/2006/main" xmlns:r="http://schemas.openxmlformats.org/officeDocument/2006/relationships" xmlns:p="http://schemas.openxmlformats.org/presentationml/2006/main">
-  <p:cSld>
-    <p:spTree>
-      <p:nvGrpSpPr>
-        <p:cNvPr id="1" name=""/>
-        <p:cNvGrpSpPr/>
-        <p:nvPr/>
-      </p:nvGrpSpPr>
-      <p:grpSpPr>
-        <a:xfrm>
-          <a:off x="0" y="0"/>
-          <a:ext cx="0" cy="0"/>
-          <a:chOff x="0" y="0"/>
-          <a:chExt cx="0" cy="0"/>
-        </a:xfrm>
-      </p:grpSpPr>
-      <p:sp>
-        <p:nvSpPr>
-          <p:cNvPr id="2" name="Title 1"/>
-          <p:cNvSpPr>
-            <a:spLocks noGrp="1"/>
-          </p:cNvSpPr>
-          <p:nvPr>
-            <p:ph type="title"/>
-          </p:nvPr>
-        </p:nvSpPr>
-        <p:spPr/>
-        <p:txBody>
-          <a:bodyPr/>
-          <a:lstStyle/>
-          <a:p>
-            <a:r>
-              <a:rPr lang="de-DE" dirty="0" smtClean="0"/>
-              <a:t>Details</a:t>
-            </a:r>
-            <a:endParaRPr lang="en-US" dirty="0"/>
-          </a:p>
-        </p:txBody>
-      </p:sp>
-      <p:sp>
-        <p:nvSpPr>
-          <p:cNvPr id="3" name="Content Placeholder 2"/>
-          <p:cNvSpPr>
-            <a:spLocks noGrp="1"/>
-          </p:cNvSpPr>
-          <p:nvPr>
-            <p:ph idx="1"/>
-          </p:nvPr>
-        </p:nvSpPr>
-        <p:spPr/>
-        <p:txBody>
-          <a:bodyPr/>
-          <a:lstStyle/>
-          <a:p>
-            <a:endParaRPr lang="en-US"/>
-          </a:p>
-        </p:txBody>
-      </p:sp>
-    </p:spTree>
-    <p:extLst>
-      <p:ext uri="{BB962C8B-B14F-4D97-AF65-F5344CB8AC3E}">
-        <p14:creationId xmlns:p14="http://schemas.microsoft.com/office/powerpoint/2010/main" val="222278803"/>
-      </p:ext>
-    </p:extLst>
-  </p:cSld>
-  <p:clrMapOvr>
-    <a:masterClrMapping/>
-  </p:clrMapOvr>
 </p:sld>
 </file>
 
@@ -7337,4 +7386,14 @@
     </a:ext>
   </a:extLst>
 </a:theme>
+</file>
+
+<file path=ppt/webextensions/webextension1.xml><?xml version="1.0" encoding="utf-8"?>
+<we:webextension xmlns:we="http://schemas.microsoft.com/office/webextensions/webextension/2010/11" id="{26FFEDF4-DB40-44F6-8CA5-2C72B7532E17}">
+  <we:reference id="9185f338-c970-4fb2-a385-0f2e3d88e6a3" version="1.0.0.0" store="https://guk.sharepoint.com/sites/appcatalog" storeType="SPCatalog"/>
+  <we:alternateReferences/>
+  <we:properties/>
+  <we:bindings/>
+  <we:snapshot xmlns:r="http://schemas.openxmlformats.org/officeDocument/2006/relationships" r:embed="rId1"/>
+</we:webextension>
 </file>